--- a/gif_house_of_cards/all_images_to_lars.pptx
+++ b/gif_house_of_cards/all_images_to_lars.pptx
@@ -7,6 +7,7 @@
   <p:sldIdLst>
     <p:sldId id="256" r:id="rId2"/>
     <p:sldId id="257" r:id="rId3"/>
+    <p:sldId id="258" r:id="rId4"/>
   </p:sldIdLst>
   <p:sldSz cx="12192000" cy="6858000"/>
   <p:notesSz cx="6858000" cy="9144000"/>
@@ -105,6 +106,11 @@
       </a:defRPr>
     </a:lvl9pPr>
   </p:defaultTextStyle>
+  <p:extLst>
+    <p:ext uri="{EFAFB233-063F-42B5-8137-9DF3F51BA10A}">
+      <p15:sldGuideLst xmlns:p15="http://schemas.microsoft.com/office/powerpoint/2012/main"/>
+    </p:ext>
+  </p:extLst>
 </p:presentation>
 </file>
 
@@ -255,7 +261,7 @@
           <a:p>
             <a:fld id="{CD63A780-9B05-E04C-AEF9-47FFB42827DA}" type="datetimeFigureOut">
               <a:rPr lang="da-DK" smtClean="0"/>
-              <a:t>02.12.2020</a:t>
+              <a:t>09.12.2020</a:t>
             </a:fld>
             <a:endParaRPr lang="da-DK"/>
           </a:p>
@@ -453,7 +459,7 @@
           <a:p>
             <a:fld id="{CD63A780-9B05-E04C-AEF9-47FFB42827DA}" type="datetimeFigureOut">
               <a:rPr lang="da-DK" smtClean="0"/>
-              <a:t>02.12.2020</a:t>
+              <a:t>09.12.2020</a:t>
             </a:fld>
             <a:endParaRPr lang="da-DK"/>
           </a:p>
@@ -661,7 +667,7 @@
           <a:p>
             <a:fld id="{CD63A780-9B05-E04C-AEF9-47FFB42827DA}" type="datetimeFigureOut">
               <a:rPr lang="da-DK" smtClean="0"/>
-              <a:t>02.12.2020</a:t>
+              <a:t>09.12.2020</a:t>
             </a:fld>
             <a:endParaRPr lang="da-DK"/>
           </a:p>
@@ -859,7 +865,7 @@
           <a:p>
             <a:fld id="{CD63A780-9B05-E04C-AEF9-47FFB42827DA}" type="datetimeFigureOut">
               <a:rPr lang="da-DK" smtClean="0"/>
-              <a:t>02.12.2020</a:t>
+              <a:t>09.12.2020</a:t>
             </a:fld>
             <a:endParaRPr lang="da-DK"/>
           </a:p>
@@ -1134,7 +1140,7 @@
           <a:p>
             <a:fld id="{CD63A780-9B05-E04C-AEF9-47FFB42827DA}" type="datetimeFigureOut">
               <a:rPr lang="da-DK" smtClean="0"/>
-              <a:t>02.12.2020</a:t>
+              <a:t>09.12.2020</a:t>
             </a:fld>
             <a:endParaRPr lang="da-DK"/>
           </a:p>
@@ -1399,7 +1405,7 @@
           <a:p>
             <a:fld id="{CD63A780-9B05-E04C-AEF9-47FFB42827DA}" type="datetimeFigureOut">
               <a:rPr lang="da-DK" smtClean="0"/>
-              <a:t>02.12.2020</a:t>
+              <a:t>09.12.2020</a:t>
             </a:fld>
             <a:endParaRPr lang="da-DK"/>
           </a:p>
@@ -1811,7 +1817,7 @@
           <a:p>
             <a:fld id="{CD63A780-9B05-E04C-AEF9-47FFB42827DA}" type="datetimeFigureOut">
               <a:rPr lang="da-DK" smtClean="0"/>
-              <a:t>02.12.2020</a:t>
+              <a:t>09.12.2020</a:t>
             </a:fld>
             <a:endParaRPr lang="da-DK"/>
           </a:p>
@@ -1952,7 +1958,7 @@
           <a:p>
             <a:fld id="{CD63A780-9B05-E04C-AEF9-47FFB42827DA}" type="datetimeFigureOut">
               <a:rPr lang="da-DK" smtClean="0"/>
-              <a:t>02.12.2020</a:t>
+              <a:t>09.12.2020</a:t>
             </a:fld>
             <a:endParaRPr lang="da-DK"/>
           </a:p>
@@ -2065,7 +2071,7 @@
           <a:p>
             <a:fld id="{CD63A780-9B05-E04C-AEF9-47FFB42827DA}" type="datetimeFigureOut">
               <a:rPr lang="da-DK" smtClean="0"/>
-              <a:t>02.12.2020</a:t>
+              <a:t>09.12.2020</a:t>
             </a:fld>
             <a:endParaRPr lang="da-DK"/>
           </a:p>
@@ -2376,7 +2382,7 @@
           <a:p>
             <a:fld id="{CD63A780-9B05-E04C-AEF9-47FFB42827DA}" type="datetimeFigureOut">
               <a:rPr lang="da-DK" smtClean="0"/>
-              <a:t>02.12.2020</a:t>
+              <a:t>09.12.2020</a:t>
             </a:fld>
             <a:endParaRPr lang="da-DK"/>
           </a:p>
@@ -2664,7 +2670,7 @@
           <a:p>
             <a:fld id="{CD63A780-9B05-E04C-AEF9-47FFB42827DA}" type="datetimeFigureOut">
               <a:rPr lang="da-DK" smtClean="0"/>
-              <a:t>02.12.2020</a:t>
+              <a:t>09.12.2020</a:t>
             </a:fld>
             <a:endParaRPr lang="da-DK"/>
           </a:p>
@@ -2905,7 +2911,7 @@
           <a:p>
             <a:fld id="{CD63A780-9B05-E04C-AEF9-47FFB42827DA}" type="datetimeFigureOut">
               <a:rPr lang="da-DK" smtClean="0"/>
-              <a:t>02.12.2020</a:t>
+              <a:t>09.12.2020</a:t>
             </a:fld>
             <a:endParaRPr lang="da-DK"/>
           </a:p>
@@ -4245,6 +4251,118 @@
 </p:sld>
 </file>
 
+<file path=ppt/slides/slide3.xml><?xml version="1.0" encoding="utf-8"?>
+<p:sld xmlns:a="http://schemas.openxmlformats.org/drawingml/2006/main" xmlns:r="http://schemas.openxmlformats.org/officeDocument/2006/relationships" xmlns:p="http://schemas.openxmlformats.org/presentationml/2006/main">
+  <p:cSld>
+    <p:spTree>
+      <p:nvGrpSpPr>
+        <p:cNvPr id="1" name=""/>
+        <p:cNvGrpSpPr/>
+        <p:nvPr/>
+      </p:nvGrpSpPr>
+      <p:grpSpPr>
+        <a:xfrm>
+          <a:off x="0" y="0"/>
+          <a:ext cx="0" cy="0"/>
+          <a:chOff x="0" y="0"/>
+          <a:chExt cx="0" cy="0"/>
+        </a:xfrm>
+      </p:grpSpPr>
+      <p:pic>
+        <p:nvPicPr>
+          <p:cNvPr id="1026" name="Picture 2" descr="Gratis lagerfoto af dyb, dybhav, dyr">
+            <a:extLst>
+              <a:ext uri="{FF2B5EF4-FFF2-40B4-BE49-F238E27FC236}">
+                <a16:creationId xmlns:a16="http://schemas.microsoft.com/office/drawing/2014/main" id="{79950146-E3D2-674B-8D98-A27541B15A6B}"/>
+              </a:ext>
+            </a:extLst>
+          </p:cNvPr>
+          <p:cNvPicPr>
+            <a:picLocks noChangeAspect="1" noChangeArrowheads="1"/>
+          </p:cNvPicPr>
+          <p:nvPr/>
+        </p:nvPicPr>
+        <p:blipFill>
+          <a:blip r:embed="rId2">
+            <a:extLst>
+              <a:ext uri="{28A0092B-C50C-407E-A947-70E740481C1C}">
+                <a14:useLocalDpi xmlns:a14="http://schemas.microsoft.com/office/drawing/2010/main" val="0"/>
+              </a:ext>
+            </a:extLst>
+          </a:blip>
+          <a:srcRect/>
+          <a:stretch>
+            <a:fillRect/>
+          </a:stretch>
+        </p:blipFill>
+        <p:spPr bwMode="auto">
+          <a:xfrm>
+            <a:off x="3175" y="0"/>
+            <a:ext cx="12187238" cy="6858000"/>
+          </a:xfrm>
+          <a:prstGeom prst="rect">
+            <a:avLst/>
+          </a:prstGeom>
+          <a:noFill/>
+          <a:extLst>
+            <a:ext uri="{909E8E84-426E-40DD-AFC4-6F175D3DCCD1}">
+              <a14:hiddenFill xmlns:a14="http://schemas.microsoft.com/office/drawing/2010/main">
+                <a:solidFill>
+                  <a:srgbClr val="FFFFFF"/>
+                </a:solidFill>
+              </a14:hiddenFill>
+            </a:ext>
+          </a:extLst>
+        </p:spPr>
+      </p:pic>
+      <p:pic>
+        <p:nvPicPr>
+          <p:cNvPr id="4" name="Billede 3" descr="Et billede, der indeholder person, mand, væg, kulør&#10;&#10;Automatisk genereret beskrivelse">
+            <a:extLst>
+              <a:ext uri="{FF2B5EF4-FFF2-40B4-BE49-F238E27FC236}">
+                <a16:creationId xmlns:a16="http://schemas.microsoft.com/office/drawing/2014/main" id="{2EEDF195-68D2-6741-993A-507A94FC5E32}"/>
+              </a:ext>
+            </a:extLst>
+          </p:cNvPr>
+          <p:cNvPicPr>
+            <a:picLocks noChangeAspect="1"/>
+          </p:cNvPicPr>
+          <p:nvPr/>
+        </p:nvPicPr>
+        <p:blipFill>
+          <a:blip r:embed="rId3"/>
+          <a:stretch>
+            <a:fillRect/>
+          </a:stretch>
+        </p:blipFill>
+        <p:spPr>
+          <a:xfrm>
+            <a:off x="3527971" y="1796274"/>
+            <a:ext cx="2791225" cy="2791225"/>
+          </a:xfrm>
+          <a:prstGeom prst="ellipse">
+            <a:avLst/>
+          </a:prstGeom>
+          <a:ln>
+            <a:solidFill>
+              <a:schemeClr val="accent1"/>
+            </a:solidFill>
+          </a:ln>
+        </p:spPr>
+      </p:pic>
+    </p:spTree>
+    <p:extLst>
+      <p:ext uri="{BB962C8B-B14F-4D97-AF65-F5344CB8AC3E}">
+        <p14:creationId xmlns:p14="http://schemas.microsoft.com/office/powerpoint/2010/main" val="1384108889"/>
+      </p:ext>
+    </p:extLst>
+  </p:cSld>
+  <p:clrMapOvr>
+    <a:masterClrMapping/>
+  </p:clrMapOvr>
+</p:sld>
+</file>
+
 <file path=ppt/theme/theme1.xml><?xml version="1.0" encoding="utf-8"?>
 <a:theme xmlns:a="http://schemas.openxmlformats.org/drawingml/2006/main" name="Office-tema">
   <a:themeElements>
